--- a/Windows/Figures/Editing_Figure5.pptx
+++ b/Windows/Figures/Editing_Figure5.pptx
@@ -2,19 +2,19 @@
 <file path=ppt/presentation.xml><?xml version="1.0" encoding="utf-8"?>
 <p:presentation xmlns:a="http://schemas.openxmlformats.org/drawingml/2006/main" xmlns:r="http://schemas.openxmlformats.org/officeDocument/2006/relationships" xmlns:p="http://schemas.openxmlformats.org/presentationml/2006/main" saveSubsetFonts="1">
   <p:sldMasterIdLst>
-    <p:sldMasterId id="2147483672" r:id="rId1"/>
+    <p:sldMasterId id="2147483660" r:id="rId1"/>
   </p:sldMasterIdLst>
   <p:sldIdLst>
-    <p:sldId id="257" r:id="rId2"/>
+    <p:sldId id="256" r:id="rId2"/>
   </p:sldIdLst>
-  <p:sldSz cx="3600450" cy="7199313"/>
+  <p:sldSz cx="10080625" cy="6480175"/>
   <p:notesSz cx="6858000" cy="9144000"/>
   <p:defaultTextStyle>
     <a:defPPr>
       <a:defRPr lang="es-MX"/>
     </a:defPPr>
-    <a:lvl1pPr marL="0" algn="l" defTabSz="518373" rtl="0" eaLnBrk="1" latinLnBrk="0" hangingPunct="1">
-      <a:defRPr sz="1020" kern="1200">
+    <a:lvl1pPr marL="0" algn="l" defTabSz="794888" rtl="0" eaLnBrk="1" latinLnBrk="0" hangingPunct="1">
+      <a:defRPr sz="1565" kern="1200">
         <a:solidFill>
           <a:schemeClr val="tx1"/>
         </a:solidFill>
@@ -23,8 +23,8 @@
         <a:cs typeface="+mn-cs"/>
       </a:defRPr>
     </a:lvl1pPr>
-    <a:lvl2pPr marL="259187" algn="l" defTabSz="518373" rtl="0" eaLnBrk="1" latinLnBrk="0" hangingPunct="1">
-      <a:defRPr sz="1020" kern="1200">
+    <a:lvl2pPr marL="397444" algn="l" defTabSz="794888" rtl="0" eaLnBrk="1" latinLnBrk="0" hangingPunct="1">
+      <a:defRPr sz="1565" kern="1200">
         <a:solidFill>
           <a:schemeClr val="tx1"/>
         </a:solidFill>
@@ -33,8 +33,8 @@
         <a:cs typeface="+mn-cs"/>
       </a:defRPr>
     </a:lvl2pPr>
-    <a:lvl3pPr marL="518373" algn="l" defTabSz="518373" rtl="0" eaLnBrk="1" latinLnBrk="0" hangingPunct="1">
-      <a:defRPr sz="1020" kern="1200">
+    <a:lvl3pPr marL="794888" algn="l" defTabSz="794888" rtl="0" eaLnBrk="1" latinLnBrk="0" hangingPunct="1">
+      <a:defRPr sz="1565" kern="1200">
         <a:solidFill>
           <a:schemeClr val="tx1"/>
         </a:solidFill>
@@ -43,8 +43,8 @@
         <a:cs typeface="+mn-cs"/>
       </a:defRPr>
     </a:lvl3pPr>
-    <a:lvl4pPr marL="777560" algn="l" defTabSz="518373" rtl="0" eaLnBrk="1" latinLnBrk="0" hangingPunct="1">
-      <a:defRPr sz="1020" kern="1200">
+    <a:lvl4pPr marL="1192332" algn="l" defTabSz="794888" rtl="0" eaLnBrk="1" latinLnBrk="0" hangingPunct="1">
+      <a:defRPr sz="1565" kern="1200">
         <a:solidFill>
           <a:schemeClr val="tx1"/>
         </a:solidFill>
@@ -53,8 +53,8 @@
         <a:cs typeface="+mn-cs"/>
       </a:defRPr>
     </a:lvl4pPr>
-    <a:lvl5pPr marL="1036747" algn="l" defTabSz="518373" rtl="0" eaLnBrk="1" latinLnBrk="0" hangingPunct="1">
-      <a:defRPr sz="1020" kern="1200">
+    <a:lvl5pPr marL="1589776" algn="l" defTabSz="794888" rtl="0" eaLnBrk="1" latinLnBrk="0" hangingPunct="1">
+      <a:defRPr sz="1565" kern="1200">
         <a:solidFill>
           <a:schemeClr val="tx1"/>
         </a:solidFill>
@@ -63,8 +63,8 @@
         <a:cs typeface="+mn-cs"/>
       </a:defRPr>
     </a:lvl5pPr>
-    <a:lvl6pPr marL="1295933" algn="l" defTabSz="518373" rtl="0" eaLnBrk="1" latinLnBrk="0" hangingPunct="1">
-      <a:defRPr sz="1020" kern="1200">
+    <a:lvl6pPr marL="1987220" algn="l" defTabSz="794888" rtl="0" eaLnBrk="1" latinLnBrk="0" hangingPunct="1">
+      <a:defRPr sz="1565" kern="1200">
         <a:solidFill>
           <a:schemeClr val="tx1"/>
         </a:solidFill>
@@ -73,8 +73,8 @@
         <a:cs typeface="+mn-cs"/>
       </a:defRPr>
     </a:lvl6pPr>
-    <a:lvl7pPr marL="1555120" algn="l" defTabSz="518373" rtl="0" eaLnBrk="1" latinLnBrk="0" hangingPunct="1">
-      <a:defRPr sz="1020" kern="1200">
+    <a:lvl7pPr marL="2384664" algn="l" defTabSz="794888" rtl="0" eaLnBrk="1" latinLnBrk="0" hangingPunct="1">
+      <a:defRPr sz="1565" kern="1200">
         <a:solidFill>
           <a:schemeClr val="tx1"/>
         </a:solidFill>
@@ -83,8 +83,8 @@
         <a:cs typeface="+mn-cs"/>
       </a:defRPr>
     </a:lvl7pPr>
-    <a:lvl8pPr marL="1814307" algn="l" defTabSz="518373" rtl="0" eaLnBrk="1" latinLnBrk="0" hangingPunct="1">
-      <a:defRPr sz="1020" kern="1200">
+    <a:lvl8pPr marL="2782108" algn="l" defTabSz="794888" rtl="0" eaLnBrk="1" latinLnBrk="0" hangingPunct="1">
+      <a:defRPr sz="1565" kern="1200">
         <a:solidFill>
           <a:schemeClr val="tx1"/>
         </a:solidFill>
@@ -93,8 +93,8 @@
         <a:cs typeface="+mn-cs"/>
       </a:defRPr>
     </a:lvl8pPr>
-    <a:lvl9pPr marL="2073493" algn="l" defTabSz="518373" rtl="0" eaLnBrk="1" latinLnBrk="0" hangingPunct="1">
-      <a:defRPr sz="1020" kern="1200">
+    <a:lvl9pPr marL="3179552" algn="l" defTabSz="794888" rtl="0" eaLnBrk="1" latinLnBrk="0" hangingPunct="1">
+      <a:defRPr sz="1565" kern="1200">
         <a:solidFill>
           <a:schemeClr val="tx1"/>
         </a:solidFill>
@@ -141,15 +141,15 @@
         </p:nvSpPr>
         <p:spPr>
           <a:xfrm>
-            <a:off x="270034" y="1178222"/>
-            <a:ext cx="3060383" cy="2506427"/>
+            <a:off x="1260078" y="1060529"/>
+            <a:ext cx="7560469" cy="2256061"/>
           </a:xfrm>
         </p:spPr>
         <p:txBody>
           <a:bodyPr anchor="b"/>
           <a:lstStyle>
             <a:lvl1pPr algn="ctr">
-              <a:defRPr sz="2363"/>
+              <a:defRPr sz="4961"/>
             </a:lvl1pPr>
           </a:lstStyle>
           <a:p>
@@ -173,8 +173,8 @@
         </p:nvSpPr>
         <p:spPr>
           <a:xfrm>
-            <a:off x="450056" y="3781306"/>
-            <a:ext cx="2700338" cy="1738167"/>
+            <a:off x="1260078" y="3403592"/>
+            <a:ext cx="7560469" cy="1564542"/>
           </a:xfrm>
         </p:spPr>
         <p:txBody>
@@ -182,39 +182,39 @@
           <a:lstStyle>
             <a:lvl1pPr marL="0" indent="0" algn="ctr">
               <a:buNone/>
-              <a:defRPr sz="945"/>
+              <a:defRPr sz="1984"/>
             </a:lvl1pPr>
-            <a:lvl2pPr marL="180045" indent="0" algn="ctr">
-              <a:buNone/>
-              <a:defRPr sz="788"/>
+            <a:lvl2pPr marL="378013" indent="0" algn="ctr">
+              <a:buNone/>
+              <a:defRPr sz="1654"/>
             </a:lvl2pPr>
-            <a:lvl3pPr marL="360091" indent="0" algn="ctr">
-              <a:buNone/>
-              <a:defRPr sz="709"/>
+            <a:lvl3pPr marL="756026" indent="0" algn="ctr">
+              <a:buNone/>
+              <a:defRPr sz="1488"/>
             </a:lvl3pPr>
-            <a:lvl4pPr marL="540136" indent="0" algn="ctr">
-              <a:buNone/>
-              <a:defRPr sz="630"/>
+            <a:lvl4pPr marL="1134039" indent="0" algn="ctr">
+              <a:buNone/>
+              <a:defRPr sz="1323"/>
             </a:lvl4pPr>
-            <a:lvl5pPr marL="720181" indent="0" algn="ctr">
-              <a:buNone/>
-              <a:defRPr sz="630"/>
+            <a:lvl5pPr marL="1512052" indent="0" algn="ctr">
+              <a:buNone/>
+              <a:defRPr sz="1323"/>
             </a:lvl5pPr>
-            <a:lvl6pPr marL="900227" indent="0" algn="ctr">
-              <a:buNone/>
-              <a:defRPr sz="630"/>
+            <a:lvl6pPr marL="1890065" indent="0" algn="ctr">
+              <a:buNone/>
+              <a:defRPr sz="1323"/>
             </a:lvl6pPr>
-            <a:lvl7pPr marL="1080272" indent="0" algn="ctr">
-              <a:buNone/>
-              <a:defRPr sz="630"/>
+            <a:lvl7pPr marL="2268078" indent="0" algn="ctr">
+              <a:buNone/>
+              <a:defRPr sz="1323"/>
             </a:lvl7pPr>
-            <a:lvl8pPr marL="1260318" indent="0" algn="ctr">
-              <a:buNone/>
-              <a:defRPr sz="630"/>
+            <a:lvl8pPr marL="2646091" indent="0" algn="ctr">
+              <a:buNone/>
+              <a:defRPr sz="1323"/>
             </a:lvl8pPr>
-            <a:lvl9pPr marL="1440363" indent="0" algn="ctr">
-              <a:buNone/>
-              <a:defRPr sz="630"/>
+            <a:lvl9pPr marL="3024104" indent="0" algn="ctr">
+              <a:buNone/>
+              <a:defRPr sz="1323"/>
             </a:lvl9pPr>
           </a:lstStyle>
           <a:p>
@@ -241,9 +241,9 @@
           <a:bodyPr/>
           <a:lstStyle/>
           <a:p>
-            <a:fld id="{7DD4AFE3-42CC-4454-A5E4-FFB5893FAB51}" type="datetimeFigureOut">
+            <a:fld id="{21307F91-D65B-47A0-9531-AF45692798D4}" type="datetimeFigureOut">
               <a:rPr lang="es-MX" smtClean="0"/>
-              <a:t>27/05/2022</a:t>
+              <a:t>28/05/2022</a:t>
             </a:fld>
             <a:endParaRPr lang="es-MX"/>
           </a:p>
@@ -283,7 +283,7 @@
           <a:bodyPr/>
           <a:lstStyle/>
           <a:p>
-            <a:fld id="{1A16464F-0E99-4C1B-B109-9738237D95B2}" type="slidenum">
+            <a:fld id="{2CB85631-9A6E-436D-9949-D55DC8D45722}" type="slidenum">
               <a:rPr lang="es-MX" smtClean="0"/>
               <a:t>‹Nº›</a:t>
             </a:fld>
@@ -294,7 +294,7 @@
     </p:spTree>
     <p:extLst>
       <p:ext uri="{BB962C8B-B14F-4D97-AF65-F5344CB8AC3E}">
-        <p14:creationId xmlns:p14="http://schemas.microsoft.com/office/powerpoint/2010/main" val="2009425022"/>
+        <p14:creationId xmlns:p14="http://schemas.microsoft.com/office/powerpoint/2010/main" val="2613087030"/>
       </p:ext>
     </p:extLst>
   </p:cSld>
@@ -411,9 +411,9 @@
           <a:bodyPr/>
           <a:lstStyle/>
           <a:p>
-            <a:fld id="{7DD4AFE3-42CC-4454-A5E4-FFB5893FAB51}" type="datetimeFigureOut">
+            <a:fld id="{21307F91-D65B-47A0-9531-AF45692798D4}" type="datetimeFigureOut">
               <a:rPr lang="es-MX" smtClean="0"/>
-              <a:t>27/05/2022</a:t>
+              <a:t>28/05/2022</a:t>
             </a:fld>
             <a:endParaRPr lang="es-MX"/>
           </a:p>
@@ -453,7 +453,7 @@
           <a:bodyPr/>
           <a:lstStyle/>
           <a:p>
-            <a:fld id="{1A16464F-0E99-4C1B-B109-9738237D95B2}" type="slidenum">
+            <a:fld id="{2CB85631-9A6E-436D-9949-D55DC8D45722}" type="slidenum">
               <a:rPr lang="es-MX" smtClean="0"/>
               <a:t>‹Nº›</a:t>
             </a:fld>
@@ -464,7 +464,7 @@
     </p:spTree>
     <p:extLst>
       <p:ext uri="{BB962C8B-B14F-4D97-AF65-F5344CB8AC3E}">
-        <p14:creationId xmlns:p14="http://schemas.microsoft.com/office/powerpoint/2010/main" val="3102020713"/>
+        <p14:creationId xmlns:p14="http://schemas.microsoft.com/office/powerpoint/2010/main" val="4058478280"/>
       </p:ext>
     </p:extLst>
   </p:cSld>
@@ -503,8 +503,8 @@
         </p:nvSpPr>
         <p:spPr>
           <a:xfrm>
-            <a:off x="2576572" y="383297"/>
-            <a:ext cx="776347" cy="6101085"/>
+            <a:off x="7213947" y="345009"/>
+            <a:ext cx="2173635" cy="5491649"/>
           </a:xfrm>
         </p:spPr>
         <p:txBody>
@@ -531,8 +531,8 @@
         </p:nvSpPr>
         <p:spPr>
           <a:xfrm>
-            <a:off x="247531" y="383297"/>
-            <a:ext cx="2284035" cy="6101085"/>
+            <a:off x="693043" y="345009"/>
+            <a:ext cx="6394896" cy="5491649"/>
           </a:xfrm>
         </p:spPr>
         <p:txBody>
@@ -591,9 +591,9 @@
           <a:bodyPr/>
           <a:lstStyle/>
           <a:p>
-            <a:fld id="{7DD4AFE3-42CC-4454-A5E4-FFB5893FAB51}" type="datetimeFigureOut">
+            <a:fld id="{21307F91-D65B-47A0-9531-AF45692798D4}" type="datetimeFigureOut">
               <a:rPr lang="es-MX" smtClean="0"/>
-              <a:t>27/05/2022</a:t>
+              <a:t>28/05/2022</a:t>
             </a:fld>
             <a:endParaRPr lang="es-MX"/>
           </a:p>
@@ -633,7 +633,7 @@
           <a:bodyPr/>
           <a:lstStyle/>
           <a:p>
-            <a:fld id="{1A16464F-0E99-4C1B-B109-9738237D95B2}" type="slidenum">
+            <a:fld id="{2CB85631-9A6E-436D-9949-D55DC8D45722}" type="slidenum">
               <a:rPr lang="es-MX" smtClean="0"/>
               <a:t>‹Nº›</a:t>
             </a:fld>
@@ -644,7 +644,7 @@
     </p:spTree>
     <p:extLst>
       <p:ext uri="{BB962C8B-B14F-4D97-AF65-F5344CB8AC3E}">
-        <p14:creationId xmlns:p14="http://schemas.microsoft.com/office/powerpoint/2010/main" val="3636698542"/>
+        <p14:creationId xmlns:p14="http://schemas.microsoft.com/office/powerpoint/2010/main" val="1600907068"/>
       </p:ext>
     </p:extLst>
   </p:cSld>
@@ -761,9 +761,9 @@
           <a:bodyPr/>
           <a:lstStyle/>
           <a:p>
-            <a:fld id="{7DD4AFE3-42CC-4454-A5E4-FFB5893FAB51}" type="datetimeFigureOut">
+            <a:fld id="{21307F91-D65B-47A0-9531-AF45692798D4}" type="datetimeFigureOut">
               <a:rPr lang="es-MX" smtClean="0"/>
-              <a:t>27/05/2022</a:t>
+              <a:t>28/05/2022</a:t>
             </a:fld>
             <a:endParaRPr lang="es-MX"/>
           </a:p>
@@ -803,7 +803,7 @@
           <a:bodyPr/>
           <a:lstStyle/>
           <a:p>
-            <a:fld id="{1A16464F-0E99-4C1B-B109-9738237D95B2}" type="slidenum">
+            <a:fld id="{2CB85631-9A6E-436D-9949-D55DC8D45722}" type="slidenum">
               <a:rPr lang="es-MX" smtClean="0"/>
               <a:t>‹Nº›</a:t>
             </a:fld>
@@ -814,7 +814,7 @@
     </p:spTree>
     <p:extLst>
       <p:ext uri="{BB962C8B-B14F-4D97-AF65-F5344CB8AC3E}">
-        <p14:creationId xmlns:p14="http://schemas.microsoft.com/office/powerpoint/2010/main" val="941808467"/>
+        <p14:creationId xmlns:p14="http://schemas.microsoft.com/office/powerpoint/2010/main" val="891906945"/>
       </p:ext>
     </p:extLst>
   </p:cSld>
@@ -853,15 +853,15 @@
         </p:nvSpPr>
         <p:spPr>
           <a:xfrm>
-            <a:off x="245656" y="1794831"/>
-            <a:ext cx="3105388" cy="2994714"/>
+            <a:off x="687793" y="1615545"/>
+            <a:ext cx="8694539" cy="2695572"/>
           </a:xfrm>
         </p:spPr>
         <p:txBody>
           <a:bodyPr anchor="b"/>
           <a:lstStyle>
             <a:lvl1pPr>
-              <a:defRPr sz="2363"/>
+              <a:defRPr sz="4961"/>
             </a:lvl1pPr>
           </a:lstStyle>
           <a:p>
@@ -885,8 +885,8 @@
         </p:nvSpPr>
         <p:spPr>
           <a:xfrm>
-            <a:off x="245656" y="4817876"/>
-            <a:ext cx="3105388" cy="1574849"/>
+            <a:off x="687793" y="4336618"/>
+            <a:ext cx="8694539" cy="1417538"/>
           </a:xfrm>
         </p:spPr>
         <p:txBody>
@@ -894,15 +894,17 @@
           <a:lstStyle>
             <a:lvl1pPr marL="0" indent="0">
               <a:buNone/>
-              <a:defRPr sz="945">
+              <a:defRPr sz="1984">
                 <a:solidFill>
-                  <a:schemeClr val="tx1"/>
+                  <a:schemeClr val="tx1">
+                    <a:tint val="75000"/>
+                  </a:schemeClr>
                 </a:solidFill>
               </a:defRPr>
             </a:lvl1pPr>
-            <a:lvl2pPr marL="180045" indent="0">
-              <a:buNone/>
-              <a:defRPr sz="788">
+            <a:lvl2pPr marL="378013" indent="0">
+              <a:buNone/>
+              <a:defRPr sz="1654">
                 <a:solidFill>
                   <a:schemeClr val="tx1">
                     <a:tint val="75000"/>
@@ -910,9 +912,9 @@
                 </a:solidFill>
               </a:defRPr>
             </a:lvl2pPr>
-            <a:lvl3pPr marL="360091" indent="0">
-              <a:buNone/>
-              <a:defRPr sz="709">
+            <a:lvl3pPr marL="756026" indent="0">
+              <a:buNone/>
+              <a:defRPr sz="1488">
                 <a:solidFill>
                   <a:schemeClr val="tx1">
                     <a:tint val="75000"/>
@@ -920,9 +922,9 @@
                 </a:solidFill>
               </a:defRPr>
             </a:lvl3pPr>
-            <a:lvl4pPr marL="540136" indent="0">
-              <a:buNone/>
-              <a:defRPr sz="630">
+            <a:lvl4pPr marL="1134039" indent="0">
+              <a:buNone/>
+              <a:defRPr sz="1323">
                 <a:solidFill>
                   <a:schemeClr val="tx1">
                     <a:tint val="75000"/>
@@ -930,9 +932,9 @@
                 </a:solidFill>
               </a:defRPr>
             </a:lvl4pPr>
-            <a:lvl5pPr marL="720181" indent="0">
-              <a:buNone/>
-              <a:defRPr sz="630">
+            <a:lvl5pPr marL="1512052" indent="0">
+              <a:buNone/>
+              <a:defRPr sz="1323">
                 <a:solidFill>
                   <a:schemeClr val="tx1">
                     <a:tint val="75000"/>
@@ -940,9 +942,9 @@
                 </a:solidFill>
               </a:defRPr>
             </a:lvl5pPr>
-            <a:lvl6pPr marL="900227" indent="0">
-              <a:buNone/>
-              <a:defRPr sz="630">
+            <a:lvl6pPr marL="1890065" indent="0">
+              <a:buNone/>
+              <a:defRPr sz="1323">
                 <a:solidFill>
                   <a:schemeClr val="tx1">
                     <a:tint val="75000"/>
@@ -950,9 +952,9 @@
                 </a:solidFill>
               </a:defRPr>
             </a:lvl6pPr>
-            <a:lvl7pPr marL="1080272" indent="0">
-              <a:buNone/>
-              <a:defRPr sz="630">
+            <a:lvl7pPr marL="2268078" indent="0">
+              <a:buNone/>
+              <a:defRPr sz="1323">
                 <a:solidFill>
                   <a:schemeClr val="tx1">
                     <a:tint val="75000"/>
@@ -960,9 +962,9 @@
                 </a:solidFill>
               </a:defRPr>
             </a:lvl7pPr>
-            <a:lvl8pPr marL="1260318" indent="0">
-              <a:buNone/>
-              <a:defRPr sz="630">
+            <a:lvl8pPr marL="2646091" indent="0">
+              <a:buNone/>
+              <a:defRPr sz="1323">
                 <a:solidFill>
                   <a:schemeClr val="tx1">
                     <a:tint val="75000"/>
@@ -970,9 +972,9 @@
                 </a:solidFill>
               </a:defRPr>
             </a:lvl8pPr>
-            <a:lvl9pPr marL="1440363" indent="0">
-              <a:buNone/>
-              <a:defRPr sz="630">
+            <a:lvl9pPr marL="3024104" indent="0">
+              <a:buNone/>
+              <a:defRPr sz="1323">
                 <a:solidFill>
                   <a:schemeClr val="tx1">
                     <a:tint val="75000"/>
@@ -1005,9 +1007,9 @@
           <a:bodyPr/>
           <a:lstStyle/>
           <a:p>
-            <a:fld id="{7DD4AFE3-42CC-4454-A5E4-FFB5893FAB51}" type="datetimeFigureOut">
+            <a:fld id="{21307F91-D65B-47A0-9531-AF45692798D4}" type="datetimeFigureOut">
               <a:rPr lang="es-MX" smtClean="0"/>
-              <a:t>27/05/2022</a:t>
+              <a:t>28/05/2022</a:t>
             </a:fld>
             <a:endParaRPr lang="es-MX"/>
           </a:p>
@@ -1047,7 +1049,7 @@
           <a:bodyPr/>
           <a:lstStyle/>
           <a:p>
-            <a:fld id="{1A16464F-0E99-4C1B-B109-9738237D95B2}" type="slidenum">
+            <a:fld id="{2CB85631-9A6E-436D-9949-D55DC8D45722}" type="slidenum">
               <a:rPr lang="es-MX" smtClean="0"/>
               <a:t>‹Nº›</a:t>
             </a:fld>
@@ -1058,7 +1060,7 @@
     </p:spTree>
     <p:extLst>
       <p:ext uri="{BB962C8B-B14F-4D97-AF65-F5344CB8AC3E}">
-        <p14:creationId xmlns:p14="http://schemas.microsoft.com/office/powerpoint/2010/main" val="1038039501"/>
+        <p14:creationId xmlns:p14="http://schemas.microsoft.com/office/powerpoint/2010/main" val="1746172501"/>
       </p:ext>
     </p:extLst>
   </p:cSld>
@@ -1120,8 +1122,8 @@
         </p:nvSpPr>
         <p:spPr>
           <a:xfrm>
-            <a:off x="247531" y="1916484"/>
-            <a:ext cx="1530191" cy="4567898"/>
+            <a:off x="693043" y="1725046"/>
+            <a:ext cx="4284266" cy="4111612"/>
           </a:xfrm>
         </p:spPr>
         <p:txBody>
@@ -1177,8 +1179,8 @@
         </p:nvSpPr>
         <p:spPr>
           <a:xfrm>
-            <a:off x="1822728" y="1916484"/>
-            <a:ext cx="1530191" cy="4567898"/>
+            <a:off x="5103316" y="1725046"/>
+            <a:ext cx="4284266" cy="4111612"/>
           </a:xfrm>
         </p:spPr>
         <p:txBody>
@@ -1237,9 +1239,9 @@
           <a:bodyPr/>
           <a:lstStyle/>
           <a:p>
-            <a:fld id="{7DD4AFE3-42CC-4454-A5E4-FFB5893FAB51}" type="datetimeFigureOut">
+            <a:fld id="{21307F91-D65B-47A0-9531-AF45692798D4}" type="datetimeFigureOut">
               <a:rPr lang="es-MX" smtClean="0"/>
-              <a:t>27/05/2022</a:t>
+              <a:t>28/05/2022</a:t>
             </a:fld>
             <a:endParaRPr lang="es-MX"/>
           </a:p>
@@ -1279,7 +1281,7 @@
           <a:bodyPr/>
           <a:lstStyle/>
           <a:p>
-            <a:fld id="{1A16464F-0E99-4C1B-B109-9738237D95B2}" type="slidenum">
+            <a:fld id="{2CB85631-9A6E-436D-9949-D55DC8D45722}" type="slidenum">
               <a:rPr lang="es-MX" smtClean="0"/>
               <a:t>‹Nº›</a:t>
             </a:fld>
@@ -1290,7 +1292,7 @@
     </p:spTree>
     <p:extLst>
       <p:ext uri="{BB962C8B-B14F-4D97-AF65-F5344CB8AC3E}">
-        <p14:creationId xmlns:p14="http://schemas.microsoft.com/office/powerpoint/2010/main" val="2126435876"/>
+        <p14:creationId xmlns:p14="http://schemas.microsoft.com/office/powerpoint/2010/main" val="1495375966"/>
       </p:ext>
     </p:extLst>
   </p:cSld>
@@ -1329,8 +1331,8 @@
         </p:nvSpPr>
         <p:spPr>
           <a:xfrm>
-            <a:off x="248000" y="383299"/>
-            <a:ext cx="3105388" cy="1391534"/>
+            <a:off x="694356" y="345010"/>
+            <a:ext cx="8694539" cy="1252534"/>
           </a:xfrm>
         </p:spPr>
         <p:txBody>
@@ -1357,8 +1359,8 @@
         </p:nvSpPr>
         <p:spPr>
           <a:xfrm>
-            <a:off x="248000" y="1764832"/>
-            <a:ext cx="1523159" cy="864917"/>
+            <a:off x="694357" y="1588543"/>
+            <a:ext cx="4264576" cy="778521"/>
           </a:xfrm>
         </p:spPr>
         <p:txBody>
@@ -1366,39 +1368,39 @@
           <a:lstStyle>
             <a:lvl1pPr marL="0" indent="0">
               <a:buNone/>
-              <a:defRPr sz="945" b="1"/>
+              <a:defRPr sz="1984" b="1"/>
             </a:lvl1pPr>
-            <a:lvl2pPr marL="180045" indent="0">
-              <a:buNone/>
-              <a:defRPr sz="788" b="1"/>
+            <a:lvl2pPr marL="378013" indent="0">
+              <a:buNone/>
+              <a:defRPr sz="1654" b="1"/>
             </a:lvl2pPr>
-            <a:lvl3pPr marL="360091" indent="0">
-              <a:buNone/>
-              <a:defRPr sz="709" b="1"/>
+            <a:lvl3pPr marL="756026" indent="0">
+              <a:buNone/>
+              <a:defRPr sz="1488" b="1"/>
             </a:lvl3pPr>
-            <a:lvl4pPr marL="540136" indent="0">
-              <a:buNone/>
-              <a:defRPr sz="630" b="1"/>
+            <a:lvl4pPr marL="1134039" indent="0">
+              <a:buNone/>
+              <a:defRPr sz="1323" b="1"/>
             </a:lvl4pPr>
-            <a:lvl5pPr marL="720181" indent="0">
-              <a:buNone/>
-              <a:defRPr sz="630" b="1"/>
+            <a:lvl5pPr marL="1512052" indent="0">
+              <a:buNone/>
+              <a:defRPr sz="1323" b="1"/>
             </a:lvl5pPr>
-            <a:lvl6pPr marL="900227" indent="0">
-              <a:buNone/>
-              <a:defRPr sz="630" b="1"/>
+            <a:lvl6pPr marL="1890065" indent="0">
+              <a:buNone/>
+              <a:defRPr sz="1323" b="1"/>
             </a:lvl6pPr>
-            <a:lvl7pPr marL="1080272" indent="0">
-              <a:buNone/>
-              <a:defRPr sz="630" b="1"/>
+            <a:lvl7pPr marL="2268078" indent="0">
+              <a:buNone/>
+              <a:defRPr sz="1323" b="1"/>
             </a:lvl7pPr>
-            <a:lvl8pPr marL="1260318" indent="0">
-              <a:buNone/>
-              <a:defRPr sz="630" b="1"/>
+            <a:lvl8pPr marL="2646091" indent="0">
+              <a:buNone/>
+              <a:defRPr sz="1323" b="1"/>
             </a:lvl8pPr>
-            <a:lvl9pPr marL="1440363" indent="0">
-              <a:buNone/>
-              <a:defRPr sz="630" b="1"/>
+            <a:lvl9pPr marL="3024104" indent="0">
+              <a:buNone/>
+              <a:defRPr sz="1323" b="1"/>
             </a:lvl9pPr>
           </a:lstStyle>
           <a:p>
@@ -1422,8 +1424,8 @@
         </p:nvSpPr>
         <p:spPr>
           <a:xfrm>
-            <a:off x="248000" y="2629749"/>
-            <a:ext cx="1523159" cy="3867965"/>
+            <a:off x="694357" y="2367064"/>
+            <a:ext cx="4264576" cy="3481594"/>
           </a:xfrm>
         </p:spPr>
         <p:txBody>
@@ -1479,8 +1481,8 @@
         </p:nvSpPr>
         <p:spPr>
           <a:xfrm>
-            <a:off x="1822728" y="1764832"/>
-            <a:ext cx="1530660" cy="864917"/>
+            <a:off x="5103316" y="1588543"/>
+            <a:ext cx="4285579" cy="778521"/>
           </a:xfrm>
         </p:spPr>
         <p:txBody>
@@ -1488,39 +1490,39 @@
           <a:lstStyle>
             <a:lvl1pPr marL="0" indent="0">
               <a:buNone/>
-              <a:defRPr sz="945" b="1"/>
+              <a:defRPr sz="1984" b="1"/>
             </a:lvl1pPr>
-            <a:lvl2pPr marL="180045" indent="0">
-              <a:buNone/>
-              <a:defRPr sz="788" b="1"/>
+            <a:lvl2pPr marL="378013" indent="0">
+              <a:buNone/>
+              <a:defRPr sz="1654" b="1"/>
             </a:lvl2pPr>
-            <a:lvl3pPr marL="360091" indent="0">
-              <a:buNone/>
-              <a:defRPr sz="709" b="1"/>
+            <a:lvl3pPr marL="756026" indent="0">
+              <a:buNone/>
+              <a:defRPr sz="1488" b="1"/>
             </a:lvl3pPr>
-            <a:lvl4pPr marL="540136" indent="0">
-              <a:buNone/>
-              <a:defRPr sz="630" b="1"/>
+            <a:lvl4pPr marL="1134039" indent="0">
+              <a:buNone/>
+              <a:defRPr sz="1323" b="1"/>
             </a:lvl4pPr>
-            <a:lvl5pPr marL="720181" indent="0">
-              <a:buNone/>
-              <a:defRPr sz="630" b="1"/>
+            <a:lvl5pPr marL="1512052" indent="0">
+              <a:buNone/>
+              <a:defRPr sz="1323" b="1"/>
             </a:lvl5pPr>
-            <a:lvl6pPr marL="900227" indent="0">
-              <a:buNone/>
-              <a:defRPr sz="630" b="1"/>
+            <a:lvl6pPr marL="1890065" indent="0">
+              <a:buNone/>
+              <a:defRPr sz="1323" b="1"/>
             </a:lvl6pPr>
-            <a:lvl7pPr marL="1080272" indent="0">
-              <a:buNone/>
-              <a:defRPr sz="630" b="1"/>
+            <a:lvl7pPr marL="2268078" indent="0">
+              <a:buNone/>
+              <a:defRPr sz="1323" b="1"/>
             </a:lvl7pPr>
-            <a:lvl8pPr marL="1260318" indent="0">
-              <a:buNone/>
-              <a:defRPr sz="630" b="1"/>
+            <a:lvl8pPr marL="2646091" indent="0">
+              <a:buNone/>
+              <a:defRPr sz="1323" b="1"/>
             </a:lvl8pPr>
-            <a:lvl9pPr marL="1440363" indent="0">
-              <a:buNone/>
-              <a:defRPr sz="630" b="1"/>
+            <a:lvl9pPr marL="3024104" indent="0">
+              <a:buNone/>
+              <a:defRPr sz="1323" b="1"/>
             </a:lvl9pPr>
           </a:lstStyle>
           <a:p>
@@ -1544,8 +1546,8 @@
         </p:nvSpPr>
         <p:spPr>
           <a:xfrm>
-            <a:off x="1822728" y="2629749"/>
-            <a:ext cx="1530660" cy="3867965"/>
+            <a:off x="5103316" y="2367064"/>
+            <a:ext cx="4285579" cy="3481594"/>
           </a:xfrm>
         </p:spPr>
         <p:txBody>
@@ -1604,9 +1606,9 @@
           <a:bodyPr/>
           <a:lstStyle/>
           <a:p>
-            <a:fld id="{7DD4AFE3-42CC-4454-A5E4-FFB5893FAB51}" type="datetimeFigureOut">
+            <a:fld id="{21307F91-D65B-47A0-9531-AF45692798D4}" type="datetimeFigureOut">
               <a:rPr lang="es-MX" smtClean="0"/>
-              <a:t>27/05/2022</a:t>
+              <a:t>28/05/2022</a:t>
             </a:fld>
             <a:endParaRPr lang="es-MX"/>
           </a:p>
@@ -1646,7 +1648,7 @@
           <a:bodyPr/>
           <a:lstStyle/>
           <a:p>
-            <a:fld id="{1A16464F-0E99-4C1B-B109-9738237D95B2}" type="slidenum">
+            <a:fld id="{2CB85631-9A6E-436D-9949-D55DC8D45722}" type="slidenum">
               <a:rPr lang="es-MX" smtClean="0"/>
               <a:t>‹Nº›</a:t>
             </a:fld>
@@ -1657,7 +1659,7 @@
     </p:spTree>
     <p:extLst>
       <p:ext uri="{BB962C8B-B14F-4D97-AF65-F5344CB8AC3E}">
-        <p14:creationId xmlns:p14="http://schemas.microsoft.com/office/powerpoint/2010/main" val="3262948925"/>
+        <p14:creationId xmlns:p14="http://schemas.microsoft.com/office/powerpoint/2010/main" val="2222057922"/>
       </p:ext>
     </p:extLst>
   </p:cSld>
@@ -1722,9 +1724,9 @@
           <a:bodyPr/>
           <a:lstStyle/>
           <a:p>
-            <a:fld id="{7DD4AFE3-42CC-4454-A5E4-FFB5893FAB51}" type="datetimeFigureOut">
+            <a:fld id="{21307F91-D65B-47A0-9531-AF45692798D4}" type="datetimeFigureOut">
               <a:rPr lang="es-MX" smtClean="0"/>
-              <a:t>27/05/2022</a:t>
+              <a:t>28/05/2022</a:t>
             </a:fld>
             <a:endParaRPr lang="es-MX"/>
           </a:p>
@@ -1764,7 +1766,7 @@
           <a:bodyPr/>
           <a:lstStyle/>
           <a:p>
-            <a:fld id="{1A16464F-0E99-4C1B-B109-9738237D95B2}" type="slidenum">
+            <a:fld id="{2CB85631-9A6E-436D-9949-D55DC8D45722}" type="slidenum">
               <a:rPr lang="es-MX" smtClean="0"/>
               <a:t>‹Nº›</a:t>
             </a:fld>
@@ -1775,7 +1777,7 @@
     </p:spTree>
     <p:extLst>
       <p:ext uri="{BB962C8B-B14F-4D97-AF65-F5344CB8AC3E}">
-        <p14:creationId xmlns:p14="http://schemas.microsoft.com/office/powerpoint/2010/main" val="54789367"/>
+        <p14:creationId xmlns:p14="http://schemas.microsoft.com/office/powerpoint/2010/main" val="1877614045"/>
       </p:ext>
     </p:extLst>
   </p:cSld>
@@ -1817,9 +1819,9 @@
           <a:bodyPr/>
           <a:lstStyle/>
           <a:p>
-            <a:fld id="{7DD4AFE3-42CC-4454-A5E4-FFB5893FAB51}" type="datetimeFigureOut">
+            <a:fld id="{21307F91-D65B-47A0-9531-AF45692798D4}" type="datetimeFigureOut">
               <a:rPr lang="es-MX" smtClean="0"/>
-              <a:t>27/05/2022</a:t>
+              <a:t>28/05/2022</a:t>
             </a:fld>
             <a:endParaRPr lang="es-MX"/>
           </a:p>
@@ -1859,7 +1861,7 @@
           <a:bodyPr/>
           <a:lstStyle/>
           <a:p>
-            <a:fld id="{1A16464F-0E99-4C1B-B109-9738237D95B2}" type="slidenum">
+            <a:fld id="{2CB85631-9A6E-436D-9949-D55DC8D45722}" type="slidenum">
               <a:rPr lang="es-MX" smtClean="0"/>
               <a:t>‹Nº›</a:t>
             </a:fld>
@@ -1870,7 +1872,7 @@
     </p:spTree>
     <p:extLst>
       <p:ext uri="{BB962C8B-B14F-4D97-AF65-F5344CB8AC3E}">
-        <p14:creationId xmlns:p14="http://schemas.microsoft.com/office/powerpoint/2010/main" val="891328220"/>
+        <p14:creationId xmlns:p14="http://schemas.microsoft.com/office/powerpoint/2010/main" val="2832167964"/>
       </p:ext>
     </p:extLst>
   </p:cSld>
@@ -1909,15 +1911,15 @@
         </p:nvSpPr>
         <p:spPr>
           <a:xfrm>
-            <a:off x="248000" y="479954"/>
-            <a:ext cx="1161239" cy="1679840"/>
+            <a:off x="694356" y="432012"/>
+            <a:ext cx="3251264" cy="1512041"/>
           </a:xfrm>
         </p:spPr>
         <p:txBody>
           <a:bodyPr anchor="b"/>
           <a:lstStyle>
             <a:lvl1pPr>
-              <a:defRPr sz="1260"/>
+              <a:defRPr sz="2646"/>
             </a:lvl1pPr>
           </a:lstStyle>
           <a:p>
@@ -1941,39 +1943,39 @@
         </p:nvSpPr>
         <p:spPr>
           <a:xfrm>
-            <a:off x="1530660" y="1036570"/>
-            <a:ext cx="1822728" cy="5116178"/>
+            <a:off x="4285579" y="933026"/>
+            <a:ext cx="5103316" cy="4605124"/>
           </a:xfrm>
         </p:spPr>
         <p:txBody>
           <a:bodyPr/>
           <a:lstStyle>
             <a:lvl1pPr>
-              <a:defRPr sz="1260"/>
+              <a:defRPr sz="2646"/>
             </a:lvl1pPr>
             <a:lvl2pPr>
-              <a:defRPr sz="1103"/>
+              <a:defRPr sz="2315"/>
             </a:lvl2pPr>
             <a:lvl3pPr>
-              <a:defRPr sz="945"/>
+              <a:defRPr sz="1984"/>
             </a:lvl3pPr>
             <a:lvl4pPr>
-              <a:defRPr sz="788"/>
+              <a:defRPr sz="1654"/>
             </a:lvl4pPr>
             <a:lvl5pPr>
-              <a:defRPr sz="788"/>
+              <a:defRPr sz="1654"/>
             </a:lvl5pPr>
             <a:lvl6pPr>
-              <a:defRPr sz="788"/>
+              <a:defRPr sz="1654"/>
             </a:lvl6pPr>
             <a:lvl7pPr>
-              <a:defRPr sz="788"/>
+              <a:defRPr sz="1654"/>
             </a:lvl7pPr>
             <a:lvl8pPr>
-              <a:defRPr sz="788"/>
+              <a:defRPr sz="1654"/>
             </a:lvl8pPr>
             <a:lvl9pPr>
-              <a:defRPr sz="788"/>
+              <a:defRPr sz="1654"/>
             </a:lvl9pPr>
           </a:lstStyle>
           <a:p>
@@ -2026,8 +2028,8 @@
         </p:nvSpPr>
         <p:spPr>
           <a:xfrm>
-            <a:off x="248000" y="2159794"/>
-            <a:ext cx="1161239" cy="4001285"/>
+            <a:off x="694356" y="1944052"/>
+            <a:ext cx="3251264" cy="3601598"/>
           </a:xfrm>
         </p:spPr>
         <p:txBody>
@@ -2035,39 +2037,39 @@
           <a:lstStyle>
             <a:lvl1pPr marL="0" indent="0">
               <a:buNone/>
-              <a:defRPr sz="630"/>
+              <a:defRPr sz="1323"/>
             </a:lvl1pPr>
-            <a:lvl2pPr marL="180045" indent="0">
-              <a:buNone/>
-              <a:defRPr sz="551"/>
+            <a:lvl2pPr marL="378013" indent="0">
+              <a:buNone/>
+              <a:defRPr sz="1158"/>
             </a:lvl2pPr>
-            <a:lvl3pPr marL="360091" indent="0">
-              <a:buNone/>
-              <a:defRPr sz="473"/>
+            <a:lvl3pPr marL="756026" indent="0">
+              <a:buNone/>
+              <a:defRPr sz="992"/>
             </a:lvl3pPr>
-            <a:lvl4pPr marL="540136" indent="0">
-              <a:buNone/>
-              <a:defRPr sz="394"/>
+            <a:lvl4pPr marL="1134039" indent="0">
+              <a:buNone/>
+              <a:defRPr sz="827"/>
             </a:lvl4pPr>
-            <a:lvl5pPr marL="720181" indent="0">
-              <a:buNone/>
-              <a:defRPr sz="394"/>
+            <a:lvl5pPr marL="1512052" indent="0">
+              <a:buNone/>
+              <a:defRPr sz="827"/>
             </a:lvl5pPr>
-            <a:lvl6pPr marL="900227" indent="0">
-              <a:buNone/>
-              <a:defRPr sz="394"/>
+            <a:lvl6pPr marL="1890065" indent="0">
+              <a:buNone/>
+              <a:defRPr sz="827"/>
             </a:lvl6pPr>
-            <a:lvl7pPr marL="1080272" indent="0">
-              <a:buNone/>
-              <a:defRPr sz="394"/>
+            <a:lvl7pPr marL="2268078" indent="0">
+              <a:buNone/>
+              <a:defRPr sz="827"/>
             </a:lvl7pPr>
-            <a:lvl8pPr marL="1260318" indent="0">
-              <a:buNone/>
-              <a:defRPr sz="394"/>
+            <a:lvl8pPr marL="2646091" indent="0">
+              <a:buNone/>
+              <a:defRPr sz="827"/>
             </a:lvl8pPr>
-            <a:lvl9pPr marL="1440363" indent="0">
-              <a:buNone/>
-              <a:defRPr sz="394"/>
+            <a:lvl9pPr marL="3024104" indent="0">
+              <a:buNone/>
+              <a:defRPr sz="827"/>
             </a:lvl9pPr>
           </a:lstStyle>
           <a:p>
@@ -2094,9 +2096,9 @@
           <a:bodyPr/>
           <a:lstStyle/>
           <a:p>
-            <a:fld id="{7DD4AFE3-42CC-4454-A5E4-FFB5893FAB51}" type="datetimeFigureOut">
+            <a:fld id="{21307F91-D65B-47A0-9531-AF45692798D4}" type="datetimeFigureOut">
               <a:rPr lang="es-MX" smtClean="0"/>
-              <a:t>27/05/2022</a:t>
+              <a:t>28/05/2022</a:t>
             </a:fld>
             <a:endParaRPr lang="es-MX"/>
           </a:p>
@@ -2136,7 +2138,7 @@
           <a:bodyPr/>
           <a:lstStyle/>
           <a:p>
-            <a:fld id="{1A16464F-0E99-4C1B-B109-9738237D95B2}" type="slidenum">
+            <a:fld id="{2CB85631-9A6E-436D-9949-D55DC8D45722}" type="slidenum">
               <a:rPr lang="es-MX" smtClean="0"/>
               <a:t>‹Nº›</a:t>
             </a:fld>
@@ -2147,7 +2149,7 @@
     </p:spTree>
     <p:extLst>
       <p:ext uri="{BB962C8B-B14F-4D97-AF65-F5344CB8AC3E}">
-        <p14:creationId xmlns:p14="http://schemas.microsoft.com/office/powerpoint/2010/main" val="2519784347"/>
+        <p14:creationId xmlns:p14="http://schemas.microsoft.com/office/powerpoint/2010/main" val="3806608403"/>
       </p:ext>
     </p:extLst>
   </p:cSld>
@@ -2186,15 +2188,15 @@
         </p:nvSpPr>
         <p:spPr>
           <a:xfrm>
-            <a:off x="248000" y="479954"/>
-            <a:ext cx="1161239" cy="1679840"/>
+            <a:off x="694356" y="432012"/>
+            <a:ext cx="3251264" cy="1512041"/>
           </a:xfrm>
         </p:spPr>
         <p:txBody>
           <a:bodyPr anchor="b"/>
           <a:lstStyle>
             <a:lvl1pPr>
-              <a:defRPr sz="1260"/>
+              <a:defRPr sz="2646"/>
             </a:lvl1pPr>
           </a:lstStyle>
           <a:p>
@@ -2218,8 +2220,8 @@
         </p:nvSpPr>
         <p:spPr>
           <a:xfrm>
-            <a:off x="1530660" y="1036570"/>
-            <a:ext cx="1822728" cy="5116178"/>
+            <a:off x="4285579" y="933026"/>
+            <a:ext cx="5103316" cy="4605124"/>
           </a:xfrm>
         </p:spPr>
         <p:txBody>
@@ -2227,39 +2229,39 @@
           <a:lstStyle>
             <a:lvl1pPr marL="0" indent="0">
               <a:buNone/>
-              <a:defRPr sz="1260"/>
+              <a:defRPr sz="2646"/>
             </a:lvl1pPr>
-            <a:lvl2pPr marL="180045" indent="0">
-              <a:buNone/>
-              <a:defRPr sz="1103"/>
+            <a:lvl2pPr marL="378013" indent="0">
+              <a:buNone/>
+              <a:defRPr sz="2315"/>
             </a:lvl2pPr>
-            <a:lvl3pPr marL="360091" indent="0">
-              <a:buNone/>
-              <a:defRPr sz="945"/>
+            <a:lvl3pPr marL="756026" indent="0">
+              <a:buNone/>
+              <a:defRPr sz="1984"/>
             </a:lvl3pPr>
-            <a:lvl4pPr marL="540136" indent="0">
-              <a:buNone/>
-              <a:defRPr sz="788"/>
+            <a:lvl4pPr marL="1134039" indent="0">
+              <a:buNone/>
+              <a:defRPr sz="1654"/>
             </a:lvl4pPr>
-            <a:lvl5pPr marL="720181" indent="0">
-              <a:buNone/>
-              <a:defRPr sz="788"/>
+            <a:lvl5pPr marL="1512052" indent="0">
+              <a:buNone/>
+              <a:defRPr sz="1654"/>
             </a:lvl5pPr>
-            <a:lvl6pPr marL="900227" indent="0">
-              <a:buNone/>
-              <a:defRPr sz="788"/>
+            <a:lvl6pPr marL="1890065" indent="0">
+              <a:buNone/>
+              <a:defRPr sz="1654"/>
             </a:lvl6pPr>
-            <a:lvl7pPr marL="1080272" indent="0">
-              <a:buNone/>
-              <a:defRPr sz="788"/>
+            <a:lvl7pPr marL="2268078" indent="0">
+              <a:buNone/>
+              <a:defRPr sz="1654"/>
             </a:lvl7pPr>
-            <a:lvl8pPr marL="1260318" indent="0">
-              <a:buNone/>
-              <a:defRPr sz="788"/>
+            <a:lvl8pPr marL="2646091" indent="0">
+              <a:buNone/>
+              <a:defRPr sz="1654"/>
             </a:lvl8pPr>
-            <a:lvl9pPr marL="1440363" indent="0">
-              <a:buNone/>
-              <a:defRPr sz="788"/>
+            <a:lvl9pPr marL="3024104" indent="0">
+              <a:buNone/>
+              <a:defRPr sz="1654"/>
             </a:lvl9pPr>
           </a:lstStyle>
           <a:p>
@@ -2283,8 +2285,8 @@
         </p:nvSpPr>
         <p:spPr>
           <a:xfrm>
-            <a:off x="248000" y="2159794"/>
-            <a:ext cx="1161239" cy="4001285"/>
+            <a:off x="694356" y="1944052"/>
+            <a:ext cx="3251264" cy="3601598"/>
           </a:xfrm>
         </p:spPr>
         <p:txBody>
@@ -2292,39 +2294,39 @@
           <a:lstStyle>
             <a:lvl1pPr marL="0" indent="0">
               <a:buNone/>
-              <a:defRPr sz="630"/>
+              <a:defRPr sz="1323"/>
             </a:lvl1pPr>
-            <a:lvl2pPr marL="180045" indent="0">
-              <a:buNone/>
-              <a:defRPr sz="551"/>
+            <a:lvl2pPr marL="378013" indent="0">
+              <a:buNone/>
+              <a:defRPr sz="1158"/>
             </a:lvl2pPr>
-            <a:lvl3pPr marL="360091" indent="0">
-              <a:buNone/>
-              <a:defRPr sz="473"/>
+            <a:lvl3pPr marL="756026" indent="0">
+              <a:buNone/>
+              <a:defRPr sz="992"/>
             </a:lvl3pPr>
-            <a:lvl4pPr marL="540136" indent="0">
-              <a:buNone/>
-              <a:defRPr sz="394"/>
+            <a:lvl4pPr marL="1134039" indent="0">
+              <a:buNone/>
+              <a:defRPr sz="827"/>
             </a:lvl4pPr>
-            <a:lvl5pPr marL="720181" indent="0">
-              <a:buNone/>
-              <a:defRPr sz="394"/>
+            <a:lvl5pPr marL="1512052" indent="0">
+              <a:buNone/>
+              <a:defRPr sz="827"/>
             </a:lvl5pPr>
-            <a:lvl6pPr marL="900227" indent="0">
-              <a:buNone/>
-              <a:defRPr sz="394"/>
+            <a:lvl6pPr marL="1890065" indent="0">
+              <a:buNone/>
+              <a:defRPr sz="827"/>
             </a:lvl6pPr>
-            <a:lvl7pPr marL="1080272" indent="0">
-              <a:buNone/>
-              <a:defRPr sz="394"/>
+            <a:lvl7pPr marL="2268078" indent="0">
+              <a:buNone/>
+              <a:defRPr sz="827"/>
             </a:lvl7pPr>
-            <a:lvl8pPr marL="1260318" indent="0">
-              <a:buNone/>
-              <a:defRPr sz="394"/>
+            <a:lvl8pPr marL="2646091" indent="0">
+              <a:buNone/>
+              <a:defRPr sz="827"/>
             </a:lvl8pPr>
-            <a:lvl9pPr marL="1440363" indent="0">
-              <a:buNone/>
-              <a:defRPr sz="394"/>
+            <a:lvl9pPr marL="3024104" indent="0">
+              <a:buNone/>
+              <a:defRPr sz="827"/>
             </a:lvl9pPr>
           </a:lstStyle>
           <a:p>
@@ -2351,9 +2353,9 @@
           <a:bodyPr/>
           <a:lstStyle/>
           <a:p>
-            <a:fld id="{7DD4AFE3-42CC-4454-A5E4-FFB5893FAB51}" type="datetimeFigureOut">
+            <a:fld id="{21307F91-D65B-47A0-9531-AF45692798D4}" type="datetimeFigureOut">
               <a:rPr lang="es-MX" smtClean="0"/>
-              <a:t>27/05/2022</a:t>
+              <a:t>28/05/2022</a:t>
             </a:fld>
             <a:endParaRPr lang="es-MX"/>
           </a:p>
@@ -2393,7 +2395,7 @@
           <a:bodyPr/>
           <a:lstStyle/>
           <a:p>
-            <a:fld id="{1A16464F-0E99-4C1B-B109-9738237D95B2}" type="slidenum">
+            <a:fld id="{2CB85631-9A6E-436D-9949-D55DC8D45722}" type="slidenum">
               <a:rPr lang="es-MX" smtClean="0"/>
               <a:t>‹Nº›</a:t>
             </a:fld>
@@ -2404,7 +2406,7 @@
     </p:spTree>
     <p:extLst>
       <p:ext uri="{BB962C8B-B14F-4D97-AF65-F5344CB8AC3E}">
-        <p14:creationId xmlns:p14="http://schemas.microsoft.com/office/powerpoint/2010/main" val="1342994967"/>
+        <p14:creationId xmlns:p14="http://schemas.microsoft.com/office/powerpoint/2010/main" val="2364338771"/>
       </p:ext>
     </p:extLst>
   </p:cSld>
@@ -2448,8 +2450,8 @@
         </p:nvSpPr>
         <p:spPr>
           <a:xfrm>
-            <a:off x="247531" y="383299"/>
-            <a:ext cx="3105388" cy="1391534"/>
+            <a:off x="693043" y="345010"/>
+            <a:ext cx="8694539" cy="1252534"/>
           </a:xfrm>
           <a:prstGeom prst="rect">
             <a:avLst/>
@@ -2481,8 +2483,8 @@
         </p:nvSpPr>
         <p:spPr>
           <a:xfrm>
-            <a:off x="247531" y="1916484"/>
-            <a:ext cx="3105388" cy="4567898"/>
+            <a:off x="693043" y="1725046"/>
+            <a:ext cx="8694539" cy="4111612"/>
           </a:xfrm>
           <a:prstGeom prst="rect">
             <a:avLst/>
@@ -2543,8 +2545,8 @@
         </p:nvSpPr>
         <p:spPr>
           <a:xfrm>
-            <a:off x="247531" y="6672698"/>
-            <a:ext cx="810101" cy="383297"/>
+            <a:off x="693043" y="6006163"/>
+            <a:ext cx="2268141" cy="345009"/>
           </a:xfrm>
           <a:prstGeom prst="rect">
             <a:avLst/>
@@ -2554,7 +2556,7 @@
           <a:bodyPr vert="horz" lIns="91440" tIns="45720" rIns="91440" bIns="45720" rtlCol="0" anchor="ctr"/>
           <a:lstStyle>
             <a:lvl1pPr algn="l">
-              <a:defRPr sz="473">
+              <a:defRPr sz="992">
                 <a:solidFill>
                   <a:schemeClr val="tx1">
                     <a:tint val="75000"/>
@@ -2564,9 +2566,9 @@
             </a:lvl1pPr>
           </a:lstStyle>
           <a:p>
-            <a:fld id="{7DD4AFE3-42CC-4454-A5E4-FFB5893FAB51}" type="datetimeFigureOut">
+            <a:fld id="{21307F91-D65B-47A0-9531-AF45692798D4}" type="datetimeFigureOut">
               <a:rPr lang="es-MX" smtClean="0"/>
-              <a:t>27/05/2022</a:t>
+              <a:t>28/05/2022</a:t>
             </a:fld>
             <a:endParaRPr lang="es-MX"/>
           </a:p>
@@ -2584,8 +2586,8 @@
         </p:nvSpPr>
         <p:spPr>
           <a:xfrm>
-            <a:off x="1192649" y="6672698"/>
-            <a:ext cx="1215152" cy="383297"/>
+            <a:off x="3339207" y="6006163"/>
+            <a:ext cx="3402211" cy="345009"/>
           </a:xfrm>
           <a:prstGeom prst="rect">
             <a:avLst/>
@@ -2595,7 +2597,7 @@
           <a:bodyPr vert="horz" lIns="91440" tIns="45720" rIns="91440" bIns="45720" rtlCol="0" anchor="ctr"/>
           <a:lstStyle>
             <a:lvl1pPr algn="ctr">
-              <a:defRPr sz="473">
+              <a:defRPr sz="992">
                 <a:solidFill>
                   <a:schemeClr val="tx1">
                     <a:tint val="75000"/>
@@ -2621,8 +2623,8 @@
         </p:nvSpPr>
         <p:spPr>
           <a:xfrm>
-            <a:off x="2542818" y="6672698"/>
-            <a:ext cx="810101" cy="383297"/>
+            <a:off x="7119441" y="6006163"/>
+            <a:ext cx="2268141" cy="345009"/>
           </a:xfrm>
           <a:prstGeom prst="rect">
             <a:avLst/>
@@ -2632,7 +2634,7 @@
           <a:bodyPr vert="horz" lIns="91440" tIns="45720" rIns="91440" bIns="45720" rtlCol="0" anchor="ctr"/>
           <a:lstStyle>
             <a:lvl1pPr algn="r">
-              <a:defRPr sz="473">
+              <a:defRPr sz="992">
                 <a:solidFill>
                   <a:schemeClr val="tx1">
                     <a:tint val="75000"/>
@@ -2642,7 +2644,7 @@
             </a:lvl1pPr>
           </a:lstStyle>
           <a:p>
-            <a:fld id="{1A16464F-0E99-4C1B-B109-9738237D95B2}" type="slidenum">
+            <a:fld id="{2CB85631-9A6E-436D-9949-D55DC8D45722}" type="slidenum">
               <a:rPr lang="es-MX" smtClean="0"/>
               <a:t>‹Nº›</a:t>
             </a:fld>
@@ -2653,27 +2655,27 @@
     </p:spTree>
     <p:extLst>
       <p:ext uri="{BB962C8B-B14F-4D97-AF65-F5344CB8AC3E}">
-        <p14:creationId xmlns:p14="http://schemas.microsoft.com/office/powerpoint/2010/main" val="3562388675"/>
+        <p14:creationId xmlns:p14="http://schemas.microsoft.com/office/powerpoint/2010/main" val="1828365228"/>
       </p:ext>
     </p:extLst>
   </p:cSld>
   <p:clrMap bg1="lt1" tx1="dk1" bg2="lt2" tx2="dk2" accent1="accent1" accent2="accent2" accent3="accent3" accent4="accent4" accent5="accent5" accent6="accent6" hlink="hlink" folHlink="folHlink"/>
   <p:sldLayoutIdLst>
-    <p:sldLayoutId id="2147483673" r:id="rId1"/>
-    <p:sldLayoutId id="2147483674" r:id="rId2"/>
-    <p:sldLayoutId id="2147483675" r:id="rId3"/>
-    <p:sldLayoutId id="2147483676" r:id="rId4"/>
-    <p:sldLayoutId id="2147483677" r:id="rId5"/>
-    <p:sldLayoutId id="2147483678" r:id="rId6"/>
-    <p:sldLayoutId id="2147483679" r:id="rId7"/>
-    <p:sldLayoutId id="2147483680" r:id="rId8"/>
-    <p:sldLayoutId id="2147483681" r:id="rId9"/>
-    <p:sldLayoutId id="2147483682" r:id="rId10"/>
-    <p:sldLayoutId id="2147483683" r:id="rId11"/>
+    <p:sldLayoutId id="2147483661" r:id="rId1"/>
+    <p:sldLayoutId id="2147483662" r:id="rId2"/>
+    <p:sldLayoutId id="2147483663" r:id="rId3"/>
+    <p:sldLayoutId id="2147483664" r:id="rId4"/>
+    <p:sldLayoutId id="2147483665" r:id="rId5"/>
+    <p:sldLayoutId id="2147483666" r:id="rId6"/>
+    <p:sldLayoutId id="2147483667" r:id="rId7"/>
+    <p:sldLayoutId id="2147483668" r:id="rId8"/>
+    <p:sldLayoutId id="2147483669" r:id="rId9"/>
+    <p:sldLayoutId id="2147483670" r:id="rId10"/>
+    <p:sldLayoutId id="2147483671" r:id="rId11"/>
   </p:sldLayoutIdLst>
   <p:txStyles>
     <p:titleStyle>
-      <a:lvl1pPr algn="l" defTabSz="360091" rtl="0" eaLnBrk="1" latinLnBrk="0" hangingPunct="1">
+      <a:lvl1pPr algn="l" defTabSz="756026" rtl="0" eaLnBrk="1" latinLnBrk="0" hangingPunct="1">
         <a:lnSpc>
           <a:spcPct val="90000"/>
         </a:lnSpc>
@@ -2681,7 +2683,7 @@
           <a:spcPct val="0"/>
         </a:spcBef>
         <a:buNone/>
-        <a:defRPr sz="1733" kern="1200">
+        <a:defRPr sz="3638" kern="1200">
           <a:solidFill>
             <a:schemeClr val="tx1"/>
           </a:solidFill>
@@ -2692,16 +2694,16 @@
       </a:lvl1pPr>
     </p:titleStyle>
     <p:bodyStyle>
-      <a:lvl1pPr marL="90023" indent="-90023" algn="l" defTabSz="360091" rtl="0" eaLnBrk="1" latinLnBrk="0" hangingPunct="1">
+      <a:lvl1pPr marL="189006" indent="-189006" algn="l" defTabSz="756026" rtl="0" eaLnBrk="1" latinLnBrk="0" hangingPunct="1">
         <a:lnSpc>
           <a:spcPct val="90000"/>
         </a:lnSpc>
         <a:spcBef>
-          <a:spcPts val="394"/>
+          <a:spcPts val="827"/>
         </a:spcBef>
         <a:buFont typeface="Arial" panose="020B0604020202020204" pitchFamily="34" charset="0"/>
         <a:buChar char="•"/>
-        <a:defRPr sz="1103" kern="1200">
+        <a:defRPr sz="2315" kern="1200">
           <a:solidFill>
             <a:schemeClr val="tx1"/>
           </a:solidFill>
@@ -2710,16 +2712,16 @@
           <a:cs typeface="+mn-cs"/>
         </a:defRPr>
       </a:lvl1pPr>
-      <a:lvl2pPr marL="270068" indent="-90023" algn="l" defTabSz="360091" rtl="0" eaLnBrk="1" latinLnBrk="0" hangingPunct="1">
+      <a:lvl2pPr marL="567019" indent="-189006" algn="l" defTabSz="756026" rtl="0" eaLnBrk="1" latinLnBrk="0" hangingPunct="1">
         <a:lnSpc>
           <a:spcPct val="90000"/>
         </a:lnSpc>
         <a:spcBef>
-          <a:spcPts val="197"/>
+          <a:spcPts val="413"/>
         </a:spcBef>
         <a:buFont typeface="Arial" panose="020B0604020202020204" pitchFamily="34" charset="0"/>
         <a:buChar char="•"/>
-        <a:defRPr sz="945" kern="1200">
+        <a:defRPr sz="1984" kern="1200">
           <a:solidFill>
             <a:schemeClr val="tx1"/>
           </a:solidFill>
@@ -2728,16 +2730,16 @@
           <a:cs typeface="+mn-cs"/>
         </a:defRPr>
       </a:lvl2pPr>
-      <a:lvl3pPr marL="450113" indent="-90023" algn="l" defTabSz="360091" rtl="0" eaLnBrk="1" latinLnBrk="0" hangingPunct="1">
+      <a:lvl3pPr marL="945032" indent="-189006" algn="l" defTabSz="756026" rtl="0" eaLnBrk="1" latinLnBrk="0" hangingPunct="1">
         <a:lnSpc>
           <a:spcPct val="90000"/>
         </a:lnSpc>
         <a:spcBef>
-          <a:spcPts val="197"/>
+          <a:spcPts val="413"/>
         </a:spcBef>
         <a:buFont typeface="Arial" panose="020B0604020202020204" pitchFamily="34" charset="0"/>
         <a:buChar char="•"/>
-        <a:defRPr sz="788" kern="1200">
+        <a:defRPr sz="1654" kern="1200">
           <a:solidFill>
             <a:schemeClr val="tx1"/>
           </a:solidFill>
@@ -2746,16 +2748,16 @@
           <a:cs typeface="+mn-cs"/>
         </a:defRPr>
       </a:lvl3pPr>
-      <a:lvl4pPr marL="630159" indent="-90023" algn="l" defTabSz="360091" rtl="0" eaLnBrk="1" latinLnBrk="0" hangingPunct="1">
+      <a:lvl4pPr marL="1323045" indent="-189006" algn="l" defTabSz="756026" rtl="0" eaLnBrk="1" latinLnBrk="0" hangingPunct="1">
         <a:lnSpc>
           <a:spcPct val="90000"/>
         </a:lnSpc>
         <a:spcBef>
-          <a:spcPts val="197"/>
+          <a:spcPts val="413"/>
         </a:spcBef>
         <a:buFont typeface="Arial" panose="020B0604020202020204" pitchFamily="34" charset="0"/>
         <a:buChar char="•"/>
-        <a:defRPr sz="709" kern="1200">
+        <a:defRPr sz="1488" kern="1200">
           <a:solidFill>
             <a:schemeClr val="tx1"/>
           </a:solidFill>
@@ -2764,16 +2766,16 @@
           <a:cs typeface="+mn-cs"/>
         </a:defRPr>
       </a:lvl4pPr>
-      <a:lvl5pPr marL="810204" indent="-90023" algn="l" defTabSz="360091" rtl="0" eaLnBrk="1" latinLnBrk="0" hangingPunct="1">
+      <a:lvl5pPr marL="1701058" indent="-189006" algn="l" defTabSz="756026" rtl="0" eaLnBrk="1" latinLnBrk="0" hangingPunct="1">
         <a:lnSpc>
           <a:spcPct val="90000"/>
         </a:lnSpc>
         <a:spcBef>
-          <a:spcPts val="197"/>
+          <a:spcPts val="413"/>
         </a:spcBef>
         <a:buFont typeface="Arial" panose="020B0604020202020204" pitchFamily="34" charset="0"/>
         <a:buChar char="•"/>
-        <a:defRPr sz="709" kern="1200">
+        <a:defRPr sz="1488" kern="1200">
           <a:solidFill>
             <a:schemeClr val="tx1"/>
           </a:solidFill>
@@ -2782,16 +2784,16 @@
           <a:cs typeface="+mn-cs"/>
         </a:defRPr>
       </a:lvl5pPr>
-      <a:lvl6pPr marL="990249" indent="-90023" algn="l" defTabSz="360091" rtl="0" eaLnBrk="1" latinLnBrk="0" hangingPunct="1">
+      <a:lvl6pPr marL="2079071" indent="-189006" algn="l" defTabSz="756026" rtl="0" eaLnBrk="1" latinLnBrk="0" hangingPunct="1">
         <a:lnSpc>
           <a:spcPct val="90000"/>
         </a:lnSpc>
         <a:spcBef>
-          <a:spcPts val="197"/>
+          <a:spcPts val="413"/>
         </a:spcBef>
         <a:buFont typeface="Arial" panose="020B0604020202020204" pitchFamily="34" charset="0"/>
         <a:buChar char="•"/>
-        <a:defRPr sz="709" kern="1200">
+        <a:defRPr sz="1488" kern="1200">
           <a:solidFill>
             <a:schemeClr val="tx1"/>
           </a:solidFill>
@@ -2800,16 +2802,16 @@
           <a:cs typeface="+mn-cs"/>
         </a:defRPr>
       </a:lvl6pPr>
-      <a:lvl7pPr marL="1170295" indent="-90023" algn="l" defTabSz="360091" rtl="0" eaLnBrk="1" latinLnBrk="0" hangingPunct="1">
+      <a:lvl7pPr marL="2457084" indent="-189006" algn="l" defTabSz="756026" rtl="0" eaLnBrk="1" latinLnBrk="0" hangingPunct="1">
         <a:lnSpc>
           <a:spcPct val="90000"/>
         </a:lnSpc>
         <a:spcBef>
-          <a:spcPts val="197"/>
+          <a:spcPts val="413"/>
         </a:spcBef>
         <a:buFont typeface="Arial" panose="020B0604020202020204" pitchFamily="34" charset="0"/>
         <a:buChar char="•"/>
-        <a:defRPr sz="709" kern="1200">
+        <a:defRPr sz="1488" kern="1200">
           <a:solidFill>
             <a:schemeClr val="tx1"/>
           </a:solidFill>
@@ -2818,16 +2820,16 @@
           <a:cs typeface="+mn-cs"/>
         </a:defRPr>
       </a:lvl7pPr>
-      <a:lvl8pPr marL="1350340" indent="-90023" algn="l" defTabSz="360091" rtl="0" eaLnBrk="1" latinLnBrk="0" hangingPunct="1">
+      <a:lvl8pPr marL="2835097" indent="-189006" algn="l" defTabSz="756026" rtl="0" eaLnBrk="1" latinLnBrk="0" hangingPunct="1">
         <a:lnSpc>
           <a:spcPct val="90000"/>
         </a:lnSpc>
         <a:spcBef>
-          <a:spcPts val="197"/>
+          <a:spcPts val="413"/>
         </a:spcBef>
         <a:buFont typeface="Arial" panose="020B0604020202020204" pitchFamily="34" charset="0"/>
         <a:buChar char="•"/>
-        <a:defRPr sz="709" kern="1200">
+        <a:defRPr sz="1488" kern="1200">
           <a:solidFill>
             <a:schemeClr val="tx1"/>
           </a:solidFill>
@@ -2836,16 +2838,16 @@
           <a:cs typeface="+mn-cs"/>
         </a:defRPr>
       </a:lvl8pPr>
-      <a:lvl9pPr marL="1530386" indent="-90023" algn="l" defTabSz="360091" rtl="0" eaLnBrk="1" latinLnBrk="0" hangingPunct="1">
+      <a:lvl9pPr marL="3213110" indent="-189006" algn="l" defTabSz="756026" rtl="0" eaLnBrk="1" latinLnBrk="0" hangingPunct="1">
         <a:lnSpc>
           <a:spcPct val="90000"/>
         </a:lnSpc>
         <a:spcBef>
-          <a:spcPts val="197"/>
+          <a:spcPts val="413"/>
         </a:spcBef>
         <a:buFont typeface="Arial" panose="020B0604020202020204" pitchFamily="34" charset="0"/>
         <a:buChar char="•"/>
-        <a:defRPr sz="709" kern="1200">
+        <a:defRPr sz="1488" kern="1200">
           <a:solidFill>
             <a:schemeClr val="tx1"/>
           </a:solidFill>
@@ -2859,8 +2861,8 @@
       <a:defPPr>
         <a:defRPr lang="en-US"/>
       </a:defPPr>
-      <a:lvl1pPr marL="0" algn="l" defTabSz="360091" rtl="0" eaLnBrk="1" latinLnBrk="0" hangingPunct="1">
-        <a:defRPr sz="709" kern="1200">
+      <a:lvl1pPr marL="0" algn="l" defTabSz="756026" rtl="0" eaLnBrk="1" latinLnBrk="0" hangingPunct="1">
+        <a:defRPr sz="1488" kern="1200">
           <a:solidFill>
             <a:schemeClr val="tx1"/>
           </a:solidFill>
@@ -2869,8 +2871,8 @@
           <a:cs typeface="+mn-cs"/>
         </a:defRPr>
       </a:lvl1pPr>
-      <a:lvl2pPr marL="180045" algn="l" defTabSz="360091" rtl="0" eaLnBrk="1" latinLnBrk="0" hangingPunct="1">
-        <a:defRPr sz="709" kern="1200">
+      <a:lvl2pPr marL="378013" algn="l" defTabSz="756026" rtl="0" eaLnBrk="1" latinLnBrk="0" hangingPunct="1">
+        <a:defRPr sz="1488" kern="1200">
           <a:solidFill>
             <a:schemeClr val="tx1"/>
           </a:solidFill>
@@ -2879,8 +2881,8 @@
           <a:cs typeface="+mn-cs"/>
         </a:defRPr>
       </a:lvl2pPr>
-      <a:lvl3pPr marL="360091" algn="l" defTabSz="360091" rtl="0" eaLnBrk="1" latinLnBrk="0" hangingPunct="1">
-        <a:defRPr sz="709" kern="1200">
+      <a:lvl3pPr marL="756026" algn="l" defTabSz="756026" rtl="0" eaLnBrk="1" latinLnBrk="0" hangingPunct="1">
+        <a:defRPr sz="1488" kern="1200">
           <a:solidFill>
             <a:schemeClr val="tx1"/>
           </a:solidFill>
@@ -2889,8 +2891,8 @@
           <a:cs typeface="+mn-cs"/>
         </a:defRPr>
       </a:lvl3pPr>
-      <a:lvl4pPr marL="540136" algn="l" defTabSz="360091" rtl="0" eaLnBrk="1" latinLnBrk="0" hangingPunct="1">
-        <a:defRPr sz="709" kern="1200">
+      <a:lvl4pPr marL="1134039" algn="l" defTabSz="756026" rtl="0" eaLnBrk="1" latinLnBrk="0" hangingPunct="1">
+        <a:defRPr sz="1488" kern="1200">
           <a:solidFill>
             <a:schemeClr val="tx1"/>
           </a:solidFill>
@@ -2899,8 +2901,8 @@
           <a:cs typeface="+mn-cs"/>
         </a:defRPr>
       </a:lvl4pPr>
-      <a:lvl5pPr marL="720181" algn="l" defTabSz="360091" rtl="0" eaLnBrk="1" latinLnBrk="0" hangingPunct="1">
-        <a:defRPr sz="709" kern="1200">
+      <a:lvl5pPr marL="1512052" algn="l" defTabSz="756026" rtl="0" eaLnBrk="1" latinLnBrk="0" hangingPunct="1">
+        <a:defRPr sz="1488" kern="1200">
           <a:solidFill>
             <a:schemeClr val="tx1"/>
           </a:solidFill>
@@ -2909,8 +2911,8 @@
           <a:cs typeface="+mn-cs"/>
         </a:defRPr>
       </a:lvl5pPr>
-      <a:lvl6pPr marL="900227" algn="l" defTabSz="360091" rtl="0" eaLnBrk="1" latinLnBrk="0" hangingPunct="1">
-        <a:defRPr sz="709" kern="1200">
+      <a:lvl6pPr marL="1890065" algn="l" defTabSz="756026" rtl="0" eaLnBrk="1" latinLnBrk="0" hangingPunct="1">
+        <a:defRPr sz="1488" kern="1200">
           <a:solidFill>
             <a:schemeClr val="tx1"/>
           </a:solidFill>
@@ -2919,8 +2921,8 @@
           <a:cs typeface="+mn-cs"/>
         </a:defRPr>
       </a:lvl6pPr>
-      <a:lvl7pPr marL="1080272" algn="l" defTabSz="360091" rtl="0" eaLnBrk="1" latinLnBrk="0" hangingPunct="1">
-        <a:defRPr sz="709" kern="1200">
+      <a:lvl7pPr marL="2268078" algn="l" defTabSz="756026" rtl="0" eaLnBrk="1" latinLnBrk="0" hangingPunct="1">
+        <a:defRPr sz="1488" kern="1200">
           <a:solidFill>
             <a:schemeClr val="tx1"/>
           </a:solidFill>
@@ -2929,8 +2931,8 @@
           <a:cs typeface="+mn-cs"/>
         </a:defRPr>
       </a:lvl7pPr>
-      <a:lvl8pPr marL="1260318" algn="l" defTabSz="360091" rtl="0" eaLnBrk="1" latinLnBrk="0" hangingPunct="1">
-        <a:defRPr sz="709" kern="1200">
+      <a:lvl8pPr marL="2646091" algn="l" defTabSz="756026" rtl="0" eaLnBrk="1" latinLnBrk="0" hangingPunct="1">
+        <a:defRPr sz="1488" kern="1200">
           <a:solidFill>
             <a:schemeClr val="tx1"/>
           </a:solidFill>
@@ -2939,8 +2941,8 @@
           <a:cs typeface="+mn-cs"/>
         </a:defRPr>
       </a:lvl8pPr>
-      <a:lvl9pPr marL="1440363" algn="l" defTabSz="360091" rtl="0" eaLnBrk="1" latinLnBrk="0" hangingPunct="1">
-        <a:defRPr sz="709" kern="1200">
+      <a:lvl9pPr marL="3024104" algn="l" defTabSz="756026" rtl="0" eaLnBrk="1" latinLnBrk="0" hangingPunct="1">
+        <a:defRPr sz="1488" kern="1200">
           <a:solidFill>
             <a:schemeClr val="tx1"/>
           </a:solidFill>
@@ -2971,186 +2973,201 @@
           <a:chExt cx="0" cy="0"/>
         </a:xfrm>
       </p:grpSpPr>
-      <p:pic>
-        <p:nvPicPr>
-          <p:cNvPr id="2" name="Imagen 1"/>
-          <p:cNvPicPr>
-            <a:picLocks noChangeAspect="1"/>
-          </p:cNvPicPr>
+      <p:grpSp>
+        <p:nvGrpSpPr>
+          <p:cNvPr id="3" name="Grupo 2"/>
+          <p:cNvGrpSpPr/>
           <p:nvPr/>
-        </p:nvPicPr>
-        <p:blipFill>
-          <a:blip r:embed="rId2" cstate="print">
-            <a:extLst>
-              <a:ext uri="{28A0092B-C50C-407E-A947-70E740481C1C}">
-                <a14:useLocalDpi xmlns:a14="http://schemas.microsoft.com/office/drawing/2010/main" val="0"/>
-              </a:ext>
-            </a:extLst>
-          </a:blip>
-          <a:stretch>
-            <a:fillRect/>
-          </a:stretch>
-        </p:blipFill>
-        <p:spPr>
+        </p:nvGrpSpPr>
+        <p:grpSpPr>
           <a:xfrm>
-            <a:off x="854" y="-40"/>
-            <a:ext cx="3598743" cy="7199391"/>
+            <a:off x="22226" y="123624"/>
+            <a:ext cx="10058398" cy="6240640"/>
+            <a:chOff x="22226" y="123624"/>
+            <a:chExt cx="10058398" cy="6240640"/>
           </a:xfrm>
-          <a:prstGeom prst="rect">
-            <a:avLst/>
-          </a:prstGeom>
-        </p:spPr>
-      </p:pic>
-      <p:pic>
-        <p:nvPicPr>
-          <p:cNvPr id="3" name="Imagen 2"/>
-          <p:cNvPicPr>
-            <a:picLocks noChangeAspect="1"/>
-          </p:cNvPicPr>
-          <p:nvPr/>
-        </p:nvPicPr>
-        <p:blipFill rotWithShape="1">
-          <a:blip r:embed="rId3" cstate="print">
-            <a:extLst>
-              <a:ext uri="{28A0092B-C50C-407E-A947-70E740481C1C}">
-                <a14:useLocalDpi xmlns:a14="http://schemas.microsoft.com/office/drawing/2010/main" val="0"/>
-              </a:ext>
-            </a:extLst>
-          </a:blip>
-          <a:srcRect l="56339" t="52481"/>
-          <a:stretch/>
-        </p:blipFill>
-        <p:spPr>
-          <a:xfrm>
-            <a:off x="2280861" y="63297"/>
-            <a:ext cx="1319212" cy="1225272"/>
-          </a:xfrm>
-          <a:prstGeom prst="rect">
-            <a:avLst/>
-          </a:prstGeom>
-        </p:spPr>
-      </p:pic>
-      <p:pic>
-        <p:nvPicPr>
-          <p:cNvPr id="4" name="Imagen 3"/>
-          <p:cNvPicPr>
-            <a:picLocks noChangeAspect="1"/>
-          </p:cNvPicPr>
-          <p:nvPr/>
-        </p:nvPicPr>
-        <p:blipFill rotWithShape="1">
-          <a:blip r:embed="rId4" cstate="print">
-            <a:extLst>
-              <a:ext uri="{28A0092B-C50C-407E-A947-70E740481C1C}">
-                <a14:useLocalDpi xmlns:a14="http://schemas.microsoft.com/office/drawing/2010/main" val="0"/>
-              </a:ext>
-            </a:extLst>
-          </a:blip>
-          <a:srcRect l="45396" t="3255" b="56666"/>
-          <a:stretch/>
-        </p:blipFill>
-        <p:spPr>
-          <a:xfrm>
-            <a:off x="1800225" y="5524477"/>
-            <a:ext cx="1824523" cy="1142842"/>
-          </a:xfrm>
-          <a:prstGeom prst="rect">
-            <a:avLst/>
-          </a:prstGeom>
-        </p:spPr>
-      </p:pic>
-      <p:pic>
-        <p:nvPicPr>
-          <p:cNvPr id="5" name="Imagen 4"/>
-          <p:cNvPicPr>
-            <a:picLocks noChangeAspect="1"/>
-          </p:cNvPicPr>
-          <p:nvPr/>
-        </p:nvPicPr>
-        <p:blipFill rotWithShape="1">
-          <a:blip r:embed="rId5" cstate="print">
-            <a:extLst>
-              <a:ext uri="{28A0092B-C50C-407E-A947-70E740481C1C}">
-                <a14:useLocalDpi xmlns:a14="http://schemas.microsoft.com/office/drawing/2010/main" val="0"/>
-              </a:ext>
-            </a:extLst>
-          </a:blip>
-          <a:srcRect t="59740" r="48006"/>
-          <a:stretch/>
-        </p:blipFill>
-        <p:spPr>
-          <a:xfrm>
-            <a:off x="2049573" y="2906147"/>
-            <a:ext cx="1514509" cy="1000752"/>
-          </a:xfrm>
-          <a:prstGeom prst="rect">
-            <a:avLst/>
-          </a:prstGeom>
-        </p:spPr>
-      </p:pic>
-      <p:pic>
-        <p:nvPicPr>
-          <p:cNvPr id="6" name="Imagen 5"/>
-          <p:cNvPicPr>
-            <a:picLocks noChangeAspect="1"/>
-          </p:cNvPicPr>
-          <p:nvPr/>
-        </p:nvPicPr>
-        <p:blipFill rotWithShape="1">
-          <a:blip r:embed="rId6" cstate="print">
-            <a:extLst>
-              <a:ext uri="{28A0092B-C50C-407E-A947-70E740481C1C}">
-                <a14:useLocalDpi xmlns:a14="http://schemas.microsoft.com/office/drawing/2010/main" val="0"/>
-              </a:ext>
-            </a:extLst>
-          </a:blip>
-          <a:srcRect l="4751" r="60725" b="45440"/>
-          <a:stretch/>
-        </p:blipFill>
-        <p:spPr>
-          <a:xfrm>
-            <a:off x="2471739" y="1347047"/>
-            <a:ext cx="1020145" cy="1375805"/>
-          </a:xfrm>
-          <a:prstGeom prst="rect">
-            <a:avLst/>
-          </a:prstGeom>
-        </p:spPr>
-      </p:pic>
-      <p:pic>
-        <p:nvPicPr>
-          <p:cNvPr id="7" name="Imagen 6"/>
-          <p:cNvPicPr>
-            <a:picLocks noChangeAspect="1"/>
-          </p:cNvPicPr>
-          <p:nvPr/>
-        </p:nvPicPr>
-        <p:blipFill>
-          <a:blip r:embed="rId7" cstate="print">
-            <a:extLst>
-              <a:ext uri="{28A0092B-C50C-407E-A947-70E740481C1C}">
-                <a14:useLocalDpi xmlns:a14="http://schemas.microsoft.com/office/drawing/2010/main" val="0"/>
-              </a:ext>
-            </a:extLst>
-          </a:blip>
-          <a:stretch>
-            <a:fillRect/>
-          </a:stretch>
-        </p:blipFill>
-        <p:spPr>
-          <a:xfrm>
-            <a:off x="2210885" y="4300477"/>
-            <a:ext cx="1413863" cy="1224000"/>
-          </a:xfrm>
-          <a:prstGeom prst="rect">
-            <a:avLst/>
-          </a:prstGeom>
-        </p:spPr>
-      </p:pic>
+        </p:grpSpPr>
+        <p:pic>
+          <p:nvPicPr>
+            <p:cNvPr id="4" name="Imagen 3"/>
+            <p:cNvPicPr>
+              <a:picLocks noChangeAspect="1"/>
+            </p:cNvPicPr>
+            <p:nvPr/>
+          </p:nvPicPr>
+          <p:blipFill>
+            <a:blip r:embed="rId2" cstate="print">
+              <a:extLst>
+                <a:ext uri="{28A0092B-C50C-407E-A947-70E740481C1C}">
+                  <a14:useLocalDpi xmlns:a14="http://schemas.microsoft.com/office/drawing/2010/main" val="0"/>
+                </a:ext>
+              </a:extLst>
+            </a:blip>
+            <a:stretch>
+              <a:fillRect/>
+            </a:stretch>
+          </p:blipFill>
+          <p:spPr>
+            <a:xfrm>
+              <a:off x="22226" y="123624"/>
+              <a:ext cx="10058398" cy="5027869"/>
+            </a:xfrm>
+            <a:prstGeom prst="rect">
+              <a:avLst/>
+            </a:prstGeom>
+          </p:spPr>
+        </p:pic>
+        <p:pic>
+          <p:nvPicPr>
+            <p:cNvPr id="5" name="Imagen 4"/>
+            <p:cNvPicPr>
+              <a:picLocks noChangeAspect="1"/>
+            </p:cNvPicPr>
+            <p:nvPr/>
+          </p:nvPicPr>
+          <p:blipFill rotWithShape="1">
+            <a:blip r:embed="rId3" cstate="print">
+              <a:extLst>
+                <a:ext uri="{28A0092B-C50C-407E-A947-70E740481C1C}">
+                  <a14:useLocalDpi xmlns:a14="http://schemas.microsoft.com/office/drawing/2010/main" val="0"/>
+                </a:ext>
+              </a:extLst>
+            </a:blip>
+            <a:srcRect l="58207" t="53683" r="1113" b="2212"/>
+            <a:stretch/>
+          </p:blipFill>
+          <p:spPr>
+            <a:xfrm>
+              <a:off x="942957" y="5045441"/>
+              <a:ext cx="1281358" cy="1185556"/>
+            </a:xfrm>
+            <a:prstGeom prst="rect">
+              <a:avLst/>
+            </a:prstGeom>
+          </p:spPr>
+        </p:pic>
+        <p:pic>
+          <p:nvPicPr>
+            <p:cNvPr id="6" name="Imagen 5"/>
+            <p:cNvPicPr>
+              <a:picLocks noChangeAspect="1"/>
+            </p:cNvPicPr>
+            <p:nvPr/>
+          </p:nvPicPr>
+          <p:blipFill rotWithShape="1">
+            <a:blip r:embed="rId4" cstate="print">
+              <a:extLst>
+                <a:ext uri="{28A0092B-C50C-407E-A947-70E740481C1C}">
+                  <a14:useLocalDpi xmlns:a14="http://schemas.microsoft.com/office/drawing/2010/main" val="0"/>
+                </a:ext>
+              </a:extLst>
+            </a:blip>
+            <a:srcRect l="45455" t="5576" b="54806"/>
+            <a:stretch/>
+          </p:blipFill>
+          <p:spPr>
+            <a:xfrm>
+              <a:off x="5626598" y="5045441"/>
+              <a:ext cx="1544303" cy="957226"/>
+            </a:xfrm>
+            <a:prstGeom prst="rect">
+              <a:avLst/>
+            </a:prstGeom>
+          </p:spPr>
+        </p:pic>
+        <p:pic>
+          <p:nvPicPr>
+            <p:cNvPr id="7" name="Imagen 6"/>
+            <p:cNvPicPr>
+              <a:picLocks noChangeAspect="1"/>
+            </p:cNvPicPr>
+            <p:nvPr/>
+          </p:nvPicPr>
+          <p:blipFill rotWithShape="1">
+            <a:blip r:embed="rId5" cstate="print">
+              <a:extLst>
+                <a:ext uri="{28A0092B-C50C-407E-A947-70E740481C1C}">
+                  <a14:useLocalDpi xmlns:a14="http://schemas.microsoft.com/office/drawing/2010/main" val="0"/>
+                </a:ext>
+              </a:extLst>
+            </a:blip>
+            <a:srcRect l="1387" t="60598" r="49927" b="4610"/>
+            <a:stretch/>
+          </p:blipFill>
+          <p:spPr>
+            <a:xfrm>
+              <a:off x="3083613" y="5119546"/>
+              <a:ext cx="1621999" cy="989174"/>
+            </a:xfrm>
+            <a:prstGeom prst="rect">
+              <a:avLst/>
+            </a:prstGeom>
+          </p:spPr>
+        </p:pic>
+        <p:pic>
+          <p:nvPicPr>
+            <p:cNvPr id="8" name="Imagen 7"/>
+            <p:cNvPicPr>
+              <a:picLocks noChangeAspect="1"/>
+            </p:cNvPicPr>
+            <p:nvPr/>
+          </p:nvPicPr>
+          <p:blipFill rotWithShape="1">
+            <a:blip r:embed="rId6" cstate="print">
+              <a:extLst>
+                <a:ext uri="{28A0092B-C50C-407E-A947-70E740481C1C}">
+                  <a14:useLocalDpi xmlns:a14="http://schemas.microsoft.com/office/drawing/2010/main" val="0"/>
+                </a:ext>
+              </a:extLst>
+            </a:blip>
+            <a:srcRect l="7434" t="2603" r="60662" b="44885"/>
+            <a:stretch/>
+          </p:blipFill>
+          <p:spPr>
+            <a:xfrm>
+              <a:off x="2325004" y="5045441"/>
+              <a:ext cx="938915" cy="1318823"/>
+            </a:xfrm>
+            <a:prstGeom prst="rect">
+              <a:avLst/>
+            </a:prstGeom>
+          </p:spPr>
+        </p:pic>
+        <p:pic>
+          <p:nvPicPr>
+            <p:cNvPr id="2" name="Imagen 1"/>
+            <p:cNvPicPr>
+              <a:picLocks noChangeAspect="1"/>
+            </p:cNvPicPr>
+            <p:nvPr/>
+          </p:nvPicPr>
+          <p:blipFill>
+            <a:blip r:embed="rId7" cstate="print">
+              <a:extLst>
+                <a:ext uri="{28A0092B-C50C-407E-A947-70E740481C1C}">
+                  <a14:useLocalDpi xmlns:a14="http://schemas.microsoft.com/office/drawing/2010/main" val="0"/>
+                </a:ext>
+              </a:extLst>
+            </a:blip>
+            <a:stretch>
+              <a:fillRect/>
+            </a:stretch>
+          </p:blipFill>
+          <p:spPr>
+            <a:xfrm>
+              <a:off x="4534774" y="4983134"/>
+              <a:ext cx="1368120" cy="1184400"/>
+            </a:xfrm>
+            <a:prstGeom prst="rect">
+              <a:avLst/>
+            </a:prstGeom>
+          </p:spPr>
+        </p:pic>
+      </p:grpSp>
     </p:spTree>
     <p:extLst>
       <p:ext uri="{BB962C8B-B14F-4D97-AF65-F5344CB8AC3E}">
-        <p14:creationId xmlns:p14="http://schemas.microsoft.com/office/powerpoint/2010/main" val="407663129"/>
+        <p14:creationId xmlns:p14="http://schemas.microsoft.com/office/powerpoint/2010/main" val="1499094356"/>
       </p:ext>
     </p:extLst>
   </p:cSld>

--- a/Windows/Figures/Editing_Figure5.pptx
+++ b/Windows/Figures/Editing_Figure5.pptx
@@ -2981,10 +2981,10 @@
         </p:nvGrpSpPr>
         <p:grpSpPr>
           <a:xfrm>
-            <a:off x="22226" y="123624"/>
-            <a:ext cx="10058398" cy="6240640"/>
-            <a:chOff x="22226" y="123624"/>
-            <a:chExt cx="10058398" cy="6240640"/>
+            <a:off x="22228" y="123624"/>
+            <a:ext cx="10058396" cy="6240640"/>
+            <a:chOff x="22227" y="123624"/>
+            <a:chExt cx="10058396" cy="6240640"/>
           </a:xfrm>
         </p:grpSpPr>
         <p:pic>
@@ -3009,8 +3009,8 @@
           </p:blipFill>
           <p:spPr>
             <a:xfrm>
-              <a:off x="22226" y="123624"/>
-              <a:ext cx="10058398" cy="5027869"/>
+              <a:off x="22227" y="123624"/>
+              <a:ext cx="10058396" cy="5027868"/>
             </a:xfrm>
             <a:prstGeom prst="rect">
               <a:avLst/>
@@ -3038,7 +3038,7 @@
           </p:blipFill>
           <p:spPr>
             <a:xfrm>
-              <a:off x="942957" y="5045441"/>
+              <a:off x="1027104" y="5045441"/>
               <a:ext cx="1281358" cy="1185556"/>
             </a:xfrm>
             <a:prstGeom prst="rect">
@@ -3067,7 +3067,7 @@
           </p:blipFill>
           <p:spPr>
             <a:xfrm>
-              <a:off x="5626598" y="5045441"/>
+              <a:off x="6022325" y="5045441"/>
               <a:ext cx="1544303" cy="957226"/>
             </a:xfrm>
             <a:prstGeom prst="rect">
@@ -3096,7 +3096,7 @@
           </p:blipFill>
           <p:spPr>
             <a:xfrm>
-              <a:off x="3083613" y="5119546"/>
+              <a:off x="3313340" y="5082493"/>
               <a:ext cx="1621999" cy="989174"/>
             </a:xfrm>
             <a:prstGeom prst="rect">
@@ -3125,7 +3125,7 @@
           </p:blipFill>
           <p:spPr>
             <a:xfrm>
-              <a:off x="2325004" y="5045441"/>
+              <a:off x="2479683" y="5045441"/>
               <a:ext cx="938915" cy="1318823"/>
             </a:xfrm>
             <a:prstGeom prst="rect">
@@ -3155,7 +3155,7 @@
           </p:blipFill>
           <p:spPr>
             <a:xfrm>
-              <a:off x="4534774" y="4983134"/>
+              <a:off x="4810308" y="4984880"/>
               <a:ext cx="1368120" cy="1184400"/>
             </a:xfrm>
             <a:prstGeom prst="rect">

--- a/Windows/Figures/Editing_Figure5.pptx
+++ b/Windows/Figures/Editing_Figure5.pptx
@@ -243,7 +243,7 @@
           <a:p>
             <a:fld id="{21307F91-D65B-47A0-9531-AF45692798D4}" type="datetimeFigureOut">
               <a:rPr lang="es-MX" smtClean="0"/>
-              <a:t>28/05/2022</a:t>
+              <a:t>03/08/2022</a:t>
             </a:fld>
             <a:endParaRPr lang="es-MX"/>
           </a:p>
@@ -413,7 +413,7 @@
           <a:p>
             <a:fld id="{21307F91-D65B-47A0-9531-AF45692798D4}" type="datetimeFigureOut">
               <a:rPr lang="es-MX" smtClean="0"/>
-              <a:t>28/05/2022</a:t>
+              <a:t>03/08/2022</a:t>
             </a:fld>
             <a:endParaRPr lang="es-MX"/>
           </a:p>
@@ -593,7 +593,7 @@
           <a:p>
             <a:fld id="{21307F91-D65B-47A0-9531-AF45692798D4}" type="datetimeFigureOut">
               <a:rPr lang="es-MX" smtClean="0"/>
-              <a:t>28/05/2022</a:t>
+              <a:t>03/08/2022</a:t>
             </a:fld>
             <a:endParaRPr lang="es-MX"/>
           </a:p>
@@ -763,7 +763,7 @@
           <a:p>
             <a:fld id="{21307F91-D65B-47A0-9531-AF45692798D4}" type="datetimeFigureOut">
               <a:rPr lang="es-MX" smtClean="0"/>
-              <a:t>28/05/2022</a:t>
+              <a:t>03/08/2022</a:t>
             </a:fld>
             <a:endParaRPr lang="es-MX"/>
           </a:p>
@@ -1009,7 +1009,7 @@
           <a:p>
             <a:fld id="{21307F91-D65B-47A0-9531-AF45692798D4}" type="datetimeFigureOut">
               <a:rPr lang="es-MX" smtClean="0"/>
-              <a:t>28/05/2022</a:t>
+              <a:t>03/08/2022</a:t>
             </a:fld>
             <a:endParaRPr lang="es-MX"/>
           </a:p>
@@ -1241,7 +1241,7 @@
           <a:p>
             <a:fld id="{21307F91-D65B-47A0-9531-AF45692798D4}" type="datetimeFigureOut">
               <a:rPr lang="es-MX" smtClean="0"/>
-              <a:t>28/05/2022</a:t>
+              <a:t>03/08/2022</a:t>
             </a:fld>
             <a:endParaRPr lang="es-MX"/>
           </a:p>
@@ -1608,7 +1608,7 @@
           <a:p>
             <a:fld id="{21307F91-D65B-47A0-9531-AF45692798D4}" type="datetimeFigureOut">
               <a:rPr lang="es-MX" smtClean="0"/>
-              <a:t>28/05/2022</a:t>
+              <a:t>03/08/2022</a:t>
             </a:fld>
             <a:endParaRPr lang="es-MX"/>
           </a:p>
@@ -1726,7 +1726,7 @@
           <a:p>
             <a:fld id="{21307F91-D65B-47A0-9531-AF45692798D4}" type="datetimeFigureOut">
               <a:rPr lang="es-MX" smtClean="0"/>
-              <a:t>28/05/2022</a:t>
+              <a:t>03/08/2022</a:t>
             </a:fld>
             <a:endParaRPr lang="es-MX"/>
           </a:p>
@@ -1821,7 +1821,7 @@
           <a:p>
             <a:fld id="{21307F91-D65B-47A0-9531-AF45692798D4}" type="datetimeFigureOut">
               <a:rPr lang="es-MX" smtClean="0"/>
-              <a:t>28/05/2022</a:t>
+              <a:t>03/08/2022</a:t>
             </a:fld>
             <a:endParaRPr lang="es-MX"/>
           </a:p>
@@ -2098,7 +2098,7 @@
           <a:p>
             <a:fld id="{21307F91-D65B-47A0-9531-AF45692798D4}" type="datetimeFigureOut">
               <a:rPr lang="es-MX" smtClean="0"/>
-              <a:t>28/05/2022</a:t>
+              <a:t>03/08/2022</a:t>
             </a:fld>
             <a:endParaRPr lang="es-MX"/>
           </a:p>
@@ -2355,7 +2355,7 @@
           <a:p>
             <a:fld id="{21307F91-D65B-47A0-9531-AF45692798D4}" type="datetimeFigureOut">
               <a:rPr lang="es-MX" smtClean="0"/>
-              <a:t>28/05/2022</a:t>
+              <a:t>03/08/2022</a:t>
             </a:fld>
             <a:endParaRPr lang="es-MX"/>
           </a:p>
@@ -2568,7 +2568,7 @@
           <a:p>
             <a:fld id="{21307F91-D65B-47A0-9531-AF45692798D4}" type="datetimeFigureOut">
               <a:rPr lang="es-MX" smtClean="0"/>
-              <a:t>28/05/2022</a:t>
+              <a:t>03/08/2022</a:t>
             </a:fld>
             <a:endParaRPr lang="es-MX"/>
           </a:p>
@@ -3010,7 +3010,7 @@
           <p:spPr>
             <a:xfrm>
               <a:off x="22227" y="123624"/>
-              <a:ext cx="10058396" cy="5027868"/>
+              <a:ext cx="10058396" cy="5027867"/>
             </a:xfrm>
             <a:prstGeom prst="rect">
               <a:avLst/>
